--- a/Papers_Articles_Presentations/Slide_Presentations/20180518Phase4ProjectHamvention.pptx
+++ b/Papers_Articles_Presentations/Slide_Presentations/20180518Phase4ProjectHamvention.pptx
@@ -584,6 +584,23 @@
           <a:p>
             <a:r>
               <a:rPr lang="en-US" dirty="0"/>
+              <a:t>My kids have real friends across 8 time zones. </a:t>
+            </a:r>
+          </a:p>
+          <a:p>
+            <a:r>
+              <a:rPr lang="en-US" dirty="0"/>
+              <a:t>My daughter is in a competitive Minecraft Guild. They are based in Japan. She has learned conversational Japanese to compete and is now taking it as her foreign language in </a:t>
+            </a:r>
+            <a:r>
+              <a:rPr lang="en-US"/>
+              <a:t>high school.</a:t>
+            </a:r>
+            <a:endParaRPr lang="en-US" dirty="0"/>
+          </a:p>
+          <a:p>
+            <a:r>
+              <a:rPr lang="en-US" dirty="0"/>
               <a:t>Almost anyone within any developed country is reachable by phone. </a:t>
             </a:r>
           </a:p>
@@ -2862,7 +2879,7 @@
                 <a:ea typeface="+mn-ea"/>
                 <a:cs typeface="+mn-cs"/>
               </a:rPr>
-              <a:t>Here’s another example. Broadband digital at microwave. At higher frequencies and higher bandwidths, higher rate higher quality CODECs really shine. You have all the bandwidth you can possibly consume and voice CODECs are no longer artificially squeezed. The majority of the waveforms here are not open. But they should be. </a:t>
+              <a:t>Here’s another example. Broadband digital waveforms and systems at microwave. At higher frequencies and higher bandwidths, higher rate higher quality CODECs really shine. You have all the bandwidth you can possibly consume and voice CODECs are no longer artificially squeezed. The majority of the waveforms here are not open. But they should be. </a:t>
             </a:r>
           </a:p>
           <a:p>
@@ -10397,7 +10414,7 @@
           <a:p>
             <a:r>
               <a:rPr lang="en-US" sz="3600" dirty="0"/>
-              <a:t>    What does the overall system look like? </a:t>
+              <a:t>    What does a P4G system look like? </a:t>
             </a:r>
           </a:p>
           <a:p>
@@ -10788,7 +10805,7 @@
         <p:spPr>
           <a:xfrm>
             <a:off x="534572" y="1617785"/>
-            <a:ext cx="8915967" cy="3416320"/>
+            <a:ext cx="8915967" cy="4524315"/>
           </a:xfrm>
           <a:prstGeom prst="rect">
             <a:avLst/>
@@ -10828,6 +10845,16 @@
             <a:r>
               <a:rPr lang="en-US" sz="3600" dirty="0"/>
               <a:t>improve, learn from, or adapt. </a:t>
+            </a:r>
+            <a:br>
+              <a:rPr lang="en-US" sz="3600" dirty="0"/>
+            </a:br>
+            <a:br>
+              <a:rPr lang="en-US" sz="3600" dirty="0"/>
+            </a:br>
+            <a:r>
+              <a:rPr lang="en-US" sz="3600" dirty="0"/>
+              <a:t>And because of ITAR/EAR.</a:t>
             </a:r>
           </a:p>
           <a:p>
@@ -10915,7 +10942,7 @@
         <p:spPr>
           <a:xfrm>
             <a:off x="2869810" y="1561514"/>
-            <a:ext cx="6744154" cy="1200329"/>
+            <a:ext cx="6744154" cy="2308324"/>
           </a:xfrm>
           <a:prstGeom prst="rect">
             <a:avLst/>
@@ -10937,6 +10964,16 @@
             <a:r>
               <a:rPr lang="en-US" sz="3600" dirty="0"/>
               <a:t>for amateur radio use!</a:t>
+            </a:r>
+            <a:br>
+              <a:rPr lang="en-US" sz="3600" dirty="0"/>
+            </a:br>
+            <a:br>
+              <a:rPr lang="en-US" sz="3600" dirty="0"/>
+            </a:br>
+            <a:r>
+              <a:rPr lang="en-US" sz="3600" dirty="0"/>
+              <a:t>For Terrestrial AND Space.</a:t>
             </a:r>
           </a:p>
         </p:txBody>
